--- a/homework_3/presentazione.pptx
+++ b/homework_3/presentazione.pptx
@@ -372,7 +372,7 @@
             <a:fld id="{5586B75A-687E-405C-8A0B-8D00578BA2C3}" type="datetimeFigureOut">
               <a:rPr lang="en-US" dirty="0"/>
               <a:pPr/>
-              <a:t>5/11/2022</a:t>
+              <a:t>5/27/2022</a:t>
             </a:fld>
             <a:endParaRPr lang="en-US" dirty="0"/>
           </a:p>
@@ -539,7 +539,7 @@
             <a:fld id="{5586B75A-687E-405C-8A0B-8D00578BA2C3}" type="datetimeFigureOut">
               <a:rPr lang="en-US" dirty="0"/>
               <a:pPr/>
-              <a:t>5/11/2022</a:t>
+              <a:t>5/27/2022</a:t>
             </a:fld>
             <a:endParaRPr lang="en-US" dirty="0"/>
           </a:p>
@@ -716,7 +716,7 @@
             <a:fld id="{5586B75A-687E-405C-8A0B-8D00578BA2C3}" type="datetimeFigureOut">
               <a:rPr lang="en-US" dirty="0"/>
               <a:pPr/>
-              <a:t>5/11/2022</a:t>
+              <a:t>5/27/2022</a:t>
             </a:fld>
             <a:endParaRPr lang="en-US" dirty="0"/>
           </a:p>
@@ -883,7 +883,7 @@
             <a:fld id="{5586B75A-687E-405C-8A0B-8D00578BA2C3}" type="datetimeFigureOut">
               <a:rPr lang="en-US" dirty="0"/>
               <a:pPr/>
-              <a:t>5/11/2022</a:t>
+              <a:t>5/27/2022</a:t>
             </a:fld>
             <a:endParaRPr lang="en-US" dirty="0"/>
           </a:p>
@@ -1138,7 +1138,7 @@
             <a:fld id="{5586B75A-687E-405C-8A0B-8D00578BA2C3}" type="datetimeFigureOut">
               <a:rPr lang="en-US" dirty="0"/>
               <a:pPr/>
-              <a:t>5/11/2022</a:t>
+              <a:t>5/27/2022</a:t>
             </a:fld>
             <a:endParaRPr lang="en-US" dirty="0"/>
           </a:p>
@@ -1423,7 +1423,7 @@
             <a:fld id="{5586B75A-687E-405C-8A0B-8D00578BA2C3}" type="datetimeFigureOut">
               <a:rPr lang="en-US" dirty="0"/>
               <a:pPr/>
-              <a:t>5/11/2022</a:t>
+              <a:t>5/27/2022</a:t>
             </a:fld>
             <a:endParaRPr lang="en-US" dirty="0"/>
           </a:p>
@@ -1862,7 +1862,7 @@
             <a:fld id="{5586B75A-687E-405C-8A0B-8D00578BA2C3}" type="datetimeFigureOut">
               <a:rPr lang="en-US" dirty="0"/>
               <a:pPr/>
-              <a:t>5/11/2022</a:t>
+              <a:t>5/27/2022</a:t>
             </a:fld>
             <a:endParaRPr lang="en-US" dirty="0"/>
           </a:p>
@@ -1977,7 +1977,7 @@
             <a:fld id="{5586B75A-687E-405C-8A0B-8D00578BA2C3}" type="datetimeFigureOut">
               <a:rPr lang="en-US" dirty="0"/>
               <a:pPr/>
-              <a:t>5/11/2022</a:t>
+              <a:t>5/27/2022</a:t>
             </a:fld>
             <a:endParaRPr lang="en-US" dirty="0"/>
           </a:p>
@@ -2069,7 +2069,7 @@
             <a:fld id="{5586B75A-687E-405C-8A0B-8D00578BA2C3}" type="datetimeFigureOut">
               <a:rPr lang="en-US" dirty="0"/>
               <a:pPr/>
-              <a:t>5/11/2022</a:t>
+              <a:t>5/27/2022</a:t>
             </a:fld>
             <a:endParaRPr lang="en-US" dirty="0"/>
           </a:p>
@@ -2354,7 +2354,7 @@
             <a:fld id="{5586B75A-687E-405C-8A0B-8D00578BA2C3}" type="datetimeFigureOut">
               <a:rPr lang="en-US" dirty="0"/>
               <a:pPr/>
-              <a:t>5/11/2022</a:t>
+              <a:t>5/27/2022</a:t>
             </a:fld>
             <a:endParaRPr lang="en-US" dirty="0"/>
           </a:p>
@@ -2624,7 +2624,7 @@
             <a:fld id="{5586B75A-687E-405C-8A0B-8D00578BA2C3}" type="datetimeFigureOut">
               <a:rPr lang="en-US" dirty="0"/>
               <a:pPr/>
-              <a:t>5/11/2022</a:t>
+              <a:t>5/27/2022</a:t>
             </a:fld>
             <a:endParaRPr lang="en-US" dirty="0"/>
           </a:p>
@@ -2918,7 +2918,7 @@
             <a:fld id="{5586B75A-687E-405C-8A0B-8D00578BA2C3}" type="datetimeFigureOut">
               <a:rPr lang="en-US" dirty="0"/>
               <a:pPr/>
-              <a:t>5/11/2022</a:t>
+              <a:t>5/27/2022</a:t>
             </a:fld>
             <a:endParaRPr lang="en-US" dirty="0"/>
           </a:p>
